--- a/PowerPoints/02 - Structure of Compilers.pptx
+++ b/PowerPoints/02 - Structure of Compilers.pptx
@@ -6354,14 +6354,14 @@
             <a:pPr lvl="1"/>
             <a:r>
               <a:rPr lang="en-US" dirty="0"/>
-              <a:t>assembler provided in the course materials serves as the final code generator</a:t>
+              <a:t>assembler provided in the course repository performs final code generation</a:t>
             </a:r>
           </a:p>
           <a:p>
             <a:pPr lvl="1"/>
             <a:r>
               <a:rPr lang="en-US" dirty="0"/>
-              <a:t>assembler also performs minor optimizations</a:t>
+              <a:t>assembler also implements minor optimizations</a:t>
             </a:r>
           </a:p>
           <a:p>
@@ -7482,7 +7482,7 @@
             <a:p>
               <a:r>
                 <a:rPr lang="en-US" sz="2000" dirty="0"/>
-                <a:t>x86</a:t>
+                <a:t>x86-64</a:t>
               </a:r>
             </a:p>
             <a:p>
@@ -8018,7 +8018,7 @@
             <a:pPr lvl="1"/>
             <a:r>
               <a:rPr lang="en-US" dirty="0"/>
-              <a:t>requires design of intermediate language(s)/representation(s)</a:t>
+              <a:t>requires design of intermediate languages/representations</a:t>
             </a:r>
           </a:p>
         </p:txBody>
@@ -8037,7 +8037,7 @@
         </p:nvSpPr>
         <p:spPr>
           <a:xfrm>
-            <a:off x="549104" y="5769934"/>
+            <a:off x="549104" y="5715000"/>
             <a:ext cx="8045792" cy="400110"/>
           </a:xfrm>
           <a:prstGeom prst="rect">
@@ -9368,7 +9368,7 @@
             <a:pPr algn="l"/>
             <a:r>
               <a:rPr lang="en-US" dirty="0"/>
-              <a:t>in-memory data structures called abstract syntax trees.  The only I/O to disk occurs when reading the source file and generating the object code.</a:t>
+              <a:t>in-memory data structures called abstract syntax trees.  The only I/O to disk occurs when reading the source file and generating assembly code.</a:t>
             </a:r>
           </a:p>
         </p:txBody>
@@ -11468,7 +11468,7 @@
         </p:nvSpPr>
         <p:spPr>
           <a:xfrm>
-            <a:off x="1655176" y="4731603"/>
+            <a:off x="1655176" y="4884003"/>
             <a:ext cx="5833648" cy="830997"/>
           </a:xfrm>
           <a:prstGeom prst="rect">

--- a/PowerPoints/02 - Structure of Compilers.pptx
+++ b/PowerPoints/02 - Structure of Compilers.pptx
@@ -34,7 +34,7 @@
     <p:sldId id="307" r:id="rId22"/>
   </p:sldIdLst>
   <p:sldSz cx="9144000" cy="6858000" type="screen4x3"/>
-  <p:notesSz cx="7010400" cy="9296400"/>
+  <p:notesSz cx="7315200" cy="9601200"/>
   <p:defaultTextStyle>
     <a:defPPr>
       <a:defRPr lang="en-US"/>
@@ -177,12 +177,12 @@
     </p:ext>
     <p:ext uri="{2D200454-40CA-4A62-9FC3-DE9A4176ACB9}">
       <p15:notesGuideLst xmlns:p15="http://schemas.microsoft.com/office/powerpoint/2012/main">
-        <p15:guide id="1" orient="horz" pos="2928">
+        <p15:guide id="1" orient="horz" pos="3024" userDrawn="1">
           <p15:clr>
             <a:srgbClr val="A4A3A4"/>
           </p15:clr>
         </p15:guide>
-        <p15:guide id="2" pos="2208">
+        <p15:guide id="2" pos="2304" userDrawn="1">
           <p15:clr>
             <a:srgbClr val="A4A3A4"/>
           </p15:clr>
@@ -230,8 +230,8 @@
         </p:nvSpPr>
         <p:spPr bwMode="auto">
           <a:xfrm>
-            <a:off x="3971925" y="0"/>
-            <a:ext cx="3038475" cy="465138"/>
+            <a:off x="4144618" y="0"/>
+            <a:ext cx="3170583" cy="480388"/>
           </a:xfrm>
           <a:prstGeom prst="rect">
             <a:avLst/>
@@ -246,7 +246,7 @@
           <a:effectLst/>
         </p:spPr>
         <p:txBody>
-          <a:bodyPr vert="horz" wrap="square" lIns="93172" tIns="46587" rIns="93172" bIns="46587" numCol="1" anchor="t" anchorCtr="0" compatLnSpc="1">
+          <a:bodyPr vert="horz" wrap="square" lIns="96647" tIns="48325" rIns="96647" bIns="48325" numCol="1" anchor="t" anchorCtr="0" compatLnSpc="1">
             <a:prstTxWarp prst="textNoShape">
               <a:avLst/>
             </a:prstTxWarp>
@@ -281,8 +281,8 @@
         </p:nvSpPr>
         <p:spPr bwMode="auto">
           <a:xfrm>
-            <a:off x="3971925" y="8831263"/>
-            <a:ext cx="3038475" cy="465137"/>
+            <a:off x="4144618" y="9120813"/>
+            <a:ext cx="3170583" cy="480387"/>
           </a:xfrm>
           <a:prstGeom prst="rect">
             <a:avLst/>
@@ -297,7 +297,7 @@
           <a:effectLst/>
         </p:spPr>
         <p:txBody>
-          <a:bodyPr vert="horz" wrap="square" lIns="93172" tIns="46587" rIns="93172" bIns="46587" numCol="1" anchor="b" anchorCtr="0" compatLnSpc="1">
+          <a:bodyPr vert="horz" wrap="square" lIns="96647" tIns="48325" rIns="96647" bIns="48325" numCol="1" anchor="b" anchorCtr="0" compatLnSpc="1">
             <a:prstTxWarp prst="textNoShape">
               <a:avLst/>
             </a:prstTxWarp>
@@ -381,7 +381,7 @@
         <p:spPr bwMode="auto">
           <a:xfrm>
             <a:off x="0" y="0"/>
-            <a:ext cx="3038475" cy="465138"/>
+            <a:ext cx="3170583" cy="480388"/>
           </a:xfrm>
           <a:prstGeom prst="rect">
             <a:avLst/>
@@ -396,7 +396,7 @@
           <a:effectLst/>
         </p:spPr>
         <p:txBody>
-          <a:bodyPr vert="horz" wrap="square" lIns="93172" tIns="46587" rIns="93172" bIns="46587" numCol="1" anchor="t" anchorCtr="0" compatLnSpc="1">
+          <a:bodyPr vert="horz" wrap="square" lIns="96647" tIns="48325" rIns="96647" bIns="48325" numCol="1" anchor="t" anchorCtr="0" compatLnSpc="1">
             <a:prstTxWarp prst="textNoShape">
               <a:avLst/>
             </a:prstTxWarp>
@@ -429,8 +429,8 @@
         </p:nvSpPr>
         <p:spPr bwMode="auto">
           <a:xfrm>
-            <a:off x="3971925" y="0"/>
-            <a:ext cx="3038475" cy="465138"/>
+            <a:off x="4144618" y="0"/>
+            <a:ext cx="3170583" cy="480388"/>
           </a:xfrm>
           <a:prstGeom prst="rect">
             <a:avLst/>
@@ -445,7 +445,7 @@
           <a:effectLst/>
         </p:spPr>
         <p:txBody>
-          <a:bodyPr vert="horz" wrap="square" lIns="93172" tIns="46587" rIns="93172" bIns="46587" numCol="1" anchor="t" anchorCtr="0" compatLnSpc="1">
+          <a:bodyPr vert="horz" wrap="square" lIns="96647" tIns="48325" rIns="96647" bIns="48325" numCol="1" anchor="t" anchorCtr="0" compatLnSpc="1">
             <a:prstTxWarp prst="textNoShape">
               <a:avLst/>
             </a:prstTxWarp>
@@ -475,8 +475,8 @@
         </p:nvSpPr>
         <p:spPr bwMode="auto">
           <a:xfrm>
-            <a:off x="1181100" y="696913"/>
-            <a:ext cx="4648200" cy="3486150"/>
+            <a:off x="1257300" y="719138"/>
+            <a:ext cx="4800600" cy="3600450"/>
           </a:xfrm>
           <a:prstGeom prst="rect">
             <a:avLst/>
@@ -504,8 +504,8 @@
         </p:nvSpPr>
         <p:spPr bwMode="auto">
           <a:xfrm>
-            <a:off x="935038" y="4416425"/>
-            <a:ext cx="5140325" cy="4183063"/>
+            <a:off x="975693" y="4561226"/>
+            <a:ext cx="5363817" cy="4320213"/>
           </a:xfrm>
           <a:prstGeom prst="rect">
             <a:avLst/>
@@ -520,7 +520,7 @@
           <a:effectLst/>
         </p:spPr>
         <p:txBody>
-          <a:bodyPr vert="horz" wrap="square" lIns="93172" tIns="46587" rIns="93172" bIns="46587" numCol="1" anchor="t" anchorCtr="0" compatLnSpc="1">
+          <a:bodyPr vert="horz" wrap="square" lIns="96647" tIns="48325" rIns="96647" bIns="48325" numCol="1" anchor="t" anchorCtr="0" compatLnSpc="1">
             <a:prstTxWarp prst="textNoShape">
               <a:avLst/>
             </a:prstTxWarp>
@@ -575,8 +575,8 @@
         </p:nvSpPr>
         <p:spPr bwMode="auto">
           <a:xfrm>
-            <a:off x="0" y="8831263"/>
-            <a:ext cx="3038475" cy="465137"/>
+            <a:off x="0" y="9120813"/>
+            <a:ext cx="3170583" cy="480387"/>
           </a:xfrm>
           <a:prstGeom prst="rect">
             <a:avLst/>
@@ -591,7 +591,7 @@
           <a:effectLst/>
         </p:spPr>
         <p:txBody>
-          <a:bodyPr vert="horz" wrap="square" lIns="93172" tIns="46587" rIns="93172" bIns="46587" numCol="1" anchor="b" anchorCtr="0" compatLnSpc="1">
+          <a:bodyPr vert="horz" wrap="square" lIns="96647" tIns="48325" rIns="96647" bIns="48325" numCol="1" anchor="b" anchorCtr="0" compatLnSpc="1">
             <a:prstTxWarp prst="textNoShape">
               <a:avLst/>
             </a:prstTxWarp>
@@ -621,8 +621,8 @@
         </p:nvSpPr>
         <p:spPr bwMode="auto">
           <a:xfrm>
-            <a:off x="3971925" y="8831263"/>
-            <a:ext cx="3038475" cy="465137"/>
+            <a:off x="4144618" y="9120813"/>
+            <a:ext cx="3170583" cy="480387"/>
           </a:xfrm>
           <a:prstGeom prst="rect">
             <a:avLst/>
@@ -637,7 +637,7 @@
           <a:effectLst/>
         </p:spPr>
         <p:txBody>
-          <a:bodyPr vert="horz" wrap="square" lIns="93172" tIns="46587" rIns="93172" bIns="46587" numCol="1" anchor="b" anchorCtr="0" compatLnSpc="1">
+          <a:bodyPr vert="horz" wrap="square" lIns="96647" tIns="48325" rIns="96647" bIns="48325" numCol="1" anchor="b" anchorCtr="0" compatLnSpc="1">
             <a:prstTxWarp prst="textNoShape">
               <a:avLst/>
             </a:prstTxWarp>
@@ -9300,7 +9300,7 @@
           <a:p>
             <a:r>
               <a:rPr lang="en-US" dirty="0"/>
-              <a:t>Pass 1: Reads/analyzes source text and produces intermediate representation (AST’s)</a:t>
+              <a:t>Pass 1: Reads/analyzes source text and produces intermediate representation (ASTs)</a:t>
             </a:r>
           </a:p>
           <a:p>
@@ -9498,7 +9498,7 @@
           <a:p>
             <a:r>
               <a:rPr lang="en-US" dirty="0"/>
-              <a:t>Reliability (Rule #1: A compiler must be error free.)</a:t>
+              <a:t>Reliability (Goal #1: A compiler must be error free.)</a:t>
             </a:r>
           </a:p>
           <a:p>

--- a/PowerPoints/02 - Structure of Compilers.pptx
+++ b/PowerPoints/02 - Structure of Compilers.pptx
@@ -7821,7 +7821,7 @@
             </a:pPr>
             <a:r>
               <a:rPr lang="en-US" dirty="0"/>
-              <a:t>Note: Some authors restrict the definition of compiler to a traversal that involves disk I/O, but we will use a more general definition.</a:t>
+              <a:t>Note: Some authors restrict the definition of compiler pass to a traversal that involves disk I/O, but we will use a more general definition.</a:t>
             </a:r>
           </a:p>
           <a:p>
@@ -7983,9 +7983,10 @@
           <a:p>
             <a:pPr lvl="1"/>
             <a:r>
-              <a:rPr lang="en-US" dirty="0"/>
-              <a:t>ideal for multiprocessor systems</a:t>
-            </a:r>
+              <a:rPr lang="en-US"/>
+              <a:t>can exploit concurrency and multiprocessor architectures</a:t>
+            </a:r>
+            <a:endParaRPr lang="en-US" dirty="0"/>
           </a:p>
           <a:p>
             <a:pPr lvl="1"/>

--- a/PowerPoints/02 - Structure of Compilers.pptx
+++ b/PowerPoints/02 - Structure of Compilers.pptx
@@ -5039,9 +5039,9 @@
         <p:grpSpPr>
           <a:xfrm>
             <a:off x="3353594" y="1371600"/>
-            <a:ext cx="2436813" cy="4724400"/>
+            <a:ext cx="2806152" cy="4724400"/>
             <a:chOff x="3353594" y="1371600"/>
-            <a:chExt cx="2436813" cy="4724400"/>
+            <a:chExt cx="2806152" cy="4724400"/>
           </a:xfrm>
         </p:grpSpPr>
         <p:sp>
@@ -5253,9 +5253,9 @@
           <p:grpSpPr>
             <a:xfrm>
               <a:off x="3353594" y="1371600"/>
-              <a:ext cx="2436813" cy="1600200"/>
+              <a:ext cx="2806152" cy="1602846"/>
               <a:chOff x="3602831" y="1371600"/>
-              <a:chExt cx="2436813" cy="1600200"/>
+              <a:chExt cx="2806152" cy="1602846"/>
             </a:xfrm>
           </p:grpSpPr>
           <p:sp>
@@ -5424,8 +5424,8 @@
             </p:nvSpPr>
             <p:spPr bwMode="auto">
               <a:xfrm>
-                <a:off x="5742781" y="2635250"/>
-                <a:ext cx="296863" cy="336550"/>
+                <a:off x="5373442" y="2635250"/>
+                <a:ext cx="1035541" cy="339196"/>
               </a:xfrm>
               <a:prstGeom prst="rect">
                 <a:avLst/>
@@ -5445,7 +5445,11 @@
               <a:lstStyle/>
               <a:p>
                 <a:r>
-                  <a:rPr lang="en-US" sz="1600"/>
+                  <a:rPr lang="en-US" sz="1600" dirty="0"/>
+                  <a:t>intLiteral</a:t>
+                </a:r>
+                <a:r>
+                  <a:rPr lang="en-US" sz="1600" baseline="-25000" dirty="0"/>
                   <a:t>1</a:t>
                 </a:r>
               </a:p>
@@ -5550,7 +5554,7 @@
             </p:nvCxnSpPr>
             <p:spPr bwMode="auto">
               <a:xfrm>
-                <a:off x="5285581" y="2339975"/>
+                <a:off x="5284788" y="2339975"/>
                 <a:ext cx="606425" cy="295275"/>
               </a:xfrm>
               <a:prstGeom prst="straightConnector1">
@@ -10970,8 +10974,8 @@
         </p:nvSpPr>
         <p:spPr bwMode="auto">
           <a:xfrm>
-            <a:off x="5742781" y="5683250"/>
-            <a:ext cx="296863" cy="336550"/>
+            <a:off x="5373442" y="5683250"/>
+            <a:ext cx="1035541" cy="339196"/>
           </a:xfrm>
           <a:prstGeom prst="rect">
             <a:avLst/>
@@ -10991,7 +10995,11 @@
           <a:lstStyle/>
           <a:p>
             <a:r>
-              <a:rPr lang="en-US" sz="1600"/>
+              <a:rPr lang="en-US" sz="1600" dirty="0"/>
+              <a:t>intLiteral</a:t>
+            </a:r>
+            <a:r>
+              <a:rPr lang="en-US" sz="1600" baseline="-25000" dirty="0"/>
               <a:t>1</a:t>
             </a:r>
           </a:p>
@@ -11096,7 +11104,7 @@
         </p:nvCxnSpPr>
         <p:spPr bwMode="auto">
           <a:xfrm>
-            <a:off x="5285581" y="5387975"/>
+            <a:off x="5284788" y="5387975"/>
             <a:ext cx="606425" cy="295275"/>
           </a:xfrm>
           <a:prstGeom prst="straightConnector1">

--- a/PowerPoints/02 - Structure of Compilers.pptx
+++ b/PowerPoints/02 - Structure of Compilers.pptx
@@ -1,6 +1,6 @@
 
 <file path=ppt/presentation.xml><?xml version="1.0" encoding="utf-8"?>
-<p:presentation xmlns:a="http://schemas.openxmlformats.org/drawingml/2006/main" xmlns:r="http://schemas.openxmlformats.org/officeDocument/2006/relationships" xmlns:p="http://schemas.openxmlformats.org/presentationml/2006/main" saveSubsetFonts="1">
+<p:presentation xmlns:a="http://schemas.openxmlformats.org/drawingml/2006/main" xmlns:r="http://schemas.openxmlformats.org/officeDocument/2006/relationships" xmlns:p="http://schemas.openxmlformats.org/presentationml/2006/main" saveSubsetFonts="1" autoCompressPictures="0">
   <p:sldMasterIdLst>
     <p:sldMasterId id="2147483651" r:id="rId1"/>
   </p:sldMasterIdLst>
@@ -7825,7 +7825,7 @@
             </a:pPr>
             <a:r>
               <a:rPr lang="en-US" dirty="0"/>
-              <a:t>Note: Some authors restrict the definition of compiler pass to a traversal that involves disk I/O, but we will use a more general definition.</a:t>
+              <a:t>Note: Some authors restrict the definition of compiler to a traversal that involves disk I/O, but we will use a more general definition.</a:t>
             </a:r>
           </a:p>
           <a:p>
@@ -7987,10 +7987,9 @@
           <a:p>
             <a:pPr lvl="1"/>
             <a:r>
-              <a:rPr lang="en-US"/>
-              <a:t>can exploit concurrency and multiprocessor architectures</a:t>
-            </a:r>
-            <a:endParaRPr lang="en-US" dirty="0"/>
+              <a:rPr lang="en-US" dirty="0"/>
+              <a:t>ideal for multiprocessor systems</a:t>
+            </a:r>
           </a:p>
           <a:p>
             <a:pPr lvl="1"/>
@@ -10974,8 +10973,8 @@
         </p:nvSpPr>
         <p:spPr bwMode="auto">
           <a:xfrm>
-            <a:off x="5373442" y="5683250"/>
-            <a:ext cx="1035541" cy="339196"/>
+            <a:off x="5354208" y="5683250"/>
+            <a:ext cx="1074013" cy="339196"/>
           </a:xfrm>
           <a:prstGeom prst="rect">
             <a:avLst/>
@@ -11105,7 +11104,7 @@
         <p:spPr bwMode="auto">
           <a:xfrm>
             <a:off x="5284788" y="5387975"/>
-            <a:ext cx="606425" cy="295275"/>
+            <a:ext cx="606427" cy="295275"/>
           </a:xfrm>
           <a:prstGeom prst="straightConnector1">
             <a:avLst/>
@@ -11641,7 +11640,7 @@
           <a:p>
             <a:r>
               <a:rPr lang="en-US" dirty="0"/>
-              <a:t>If the low-level representation is machine independent, then this component of the compiler is often referred to as an “intermediate” code generator.</a:t>
+              <a:t>If the low-level representation is assembly language or if it is machine independent, then this component of the compiler is often referred to as an “intermediate” code generator.</a:t>
             </a:r>
           </a:p>
         </p:txBody>
